--- a/Dynamic Modeling.pptx
+++ b/Dynamic Modeling.pptx
@@ -9,7 +9,7 @@
   </p:notesMasterIdLst>
   <p:sldIdLst>
     <p:sldId id="256" r:id="rId2"/>
-    <p:sldId id="257" r:id="rId3"/>
+    <p:sldId id="258" r:id="rId3"/>
   </p:sldIdLst>
   <p:sldSz cx="9144000" cy="5143500" type="screen16x9"/>
   <p:notesSz cx="6858000" cy="9144000"/>
@@ -244,7 +244,7 @@
   </p:defaultTextStyle>
   <p:extLst>
     <p:ext uri="{EFAFB233-063F-42B5-8137-9DF3F51BA10A}">
-      <p15:sldGuideLst xmlns:p15="http://schemas.microsoft.com/office/powerpoint/2012/main">
+      <p15:sldGuideLst xmlns:p15="http://schemas.microsoft.com/office/powerpoint/2012/main" xmlns="">
         <p15:guide id="1" orient="horz" pos="1620">
           <p15:clr>
             <a:srgbClr val="A4A3A4"/>
@@ -466,6 +466,11 @@
         </p:txBody>
       </p:sp>
     </p:spTree>
+    <p:extLst>
+      <p:ext uri="{BB962C8B-B14F-4D97-AF65-F5344CB8AC3E}">
+        <p14:creationId xmlns:p14="http://schemas.microsoft.com/office/powerpoint/2010/main" val="2514454931"/>
+      </p:ext>
+    </p:extLst>
   </p:cSld>
   <p:clrMap bg1="lt1" tx1="dk1" bg2="dk2" tx2="lt2" accent1="accent1" accent2="accent2" accent3="accent3" accent4="accent4" accent5="accent5" accent6="accent6" hlink="hlink" folHlink="folHlink"/>
   <p:notesStyle>
@@ -804,110 +809,6 @@
 </p:notes>
 </file>
 
-<file path=ppt/notesSlides/notesSlide2.xml><?xml version="1.0" encoding="utf-8"?>
-<p:notes xmlns:a="http://schemas.openxmlformats.org/drawingml/2006/main" xmlns:r="http://schemas.openxmlformats.org/officeDocument/2006/relationships" xmlns:p="http://schemas.openxmlformats.org/presentationml/2006/main" showMasterSp="0" showMasterPhAnim="0">
-  <p:cSld>
-    <p:spTree>
-      <p:nvGrpSpPr>
-        <p:cNvPr id="1" name="Shape 73"/>
-        <p:cNvGrpSpPr/>
-        <p:nvPr/>
-      </p:nvGrpSpPr>
-      <p:grpSpPr>
-        <a:xfrm>
-          <a:off x="0" y="0"/>
-          <a:ext cx="0" cy="0"/>
-          <a:chOff x="0" y="0"/>
-          <a:chExt cx="0" cy="0"/>
-        </a:xfrm>
-      </p:grpSpPr>
-      <p:sp>
-        <p:nvSpPr>
-          <p:cNvPr id="74" name="Google Shape;74;g4887b5dc4e_1_0:notes"/>
-          <p:cNvSpPr>
-            <a:spLocks noGrp="1" noRot="1" noChangeAspect="1"/>
-          </p:cNvSpPr>
-          <p:nvPr>
-            <p:ph type="sldImg" idx="2"/>
-          </p:nvPr>
-        </p:nvSpPr>
-        <p:spPr>
-          <a:xfrm>
-            <a:off x="381300" y="685800"/>
-            <a:ext cx="6096000" cy="3429000"/>
-          </a:xfrm>
-          <a:custGeom>
-            <a:avLst/>
-            <a:gdLst/>
-            <a:ahLst/>
-            <a:cxnLst/>
-            <a:rect l="l" t="t" r="r" b="b"/>
-            <a:pathLst>
-              <a:path w="120000" h="120000" extrusionOk="0">
-                <a:moveTo>
-                  <a:pt x="0" y="0"/>
-                </a:moveTo>
-                <a:lnTo>
-                  <a:pt x="120000" y="0"/>
-                </a:lnTo>
-                <a:lnTo>
-                  <a:pt x="120000" y="120000"/>
-                </a:lnTo>
-                <a:lnTo>
-                  <a:pt x="0" y="120000"/>
-                </a:lnTo>
-                <a:close/>
-              </a:path>
-            </a:pathLst>
-          </a:custGeom>
-        </p:spPr>
-      </p:sp>
-      <p:sp>
-        <p:nvSpPr>
-          <p:cNvPr id="75" name="Google Shape;75;g4887b5dc4e_1_0:notes"/>
-          <p:cNvSpPr txBox="1">
-            <a:spLocks noGrp="1"/>
-          </p:cNvSpPr>
-          <p:nvPr>
-            <p:ph type="body" idx="1"/>
-          </p:nvPr>
-        </p:nvSpPr>
-        <p:spPr>
-          <a:xfrm>
-            <a:off x="685800" y="4343400"/>
-            <a:ext cx="5486400" cy="4114800"/>
-          </a:xfrm>
-          <a:prstGeom prst="rect">
-            <a:avLst/>
-          </a:prstGeom>
-        </p:spPr>
-        <p:txBody>
-          <a:bodyPr spcFirstLastPara="1" wrap="square" lIns="91425" tIns="91425" rIns="91425" bIns="91425" anchor="t" anchorCtr="0">
-            <a:noAutofit/>
-          </a:bodyPr>
-          <a:lstStyle/>
-          <a:p>
-            <a:pPr marL="0" lvl="0" indent="0" algn="l" rtl="0">
-              <a:spcBef>
-                <a:spcPts val="0"/>
-              </a:spcBef>
-              <a:spcAft>
-                <a:spcPts val="0"/>
-              </a:spcAft>
-              <a:buNone/>
-            </a:pPr>
-            <a:endParaRPr/>
-          </a:p>
-        </p:txBody>
-      </p:sp>
-    </p:spTree>
-  </p:cSld>
-  <p:clrMapOvr>
-    <a:masterClrMapping/>
-  </p:clrMapOvr>
-</p:notes>
-</file>
-
 <file path=ppt/slideLayouts/slideLayout1.xml><?xml version="1.0" encoding="utf-8"?>
 <p:sldLayout xmlns:a="http://schemas.openxmlformats.org/drawingml/2006/main" xmlns:r="http://schemas.openxmlformats.org/officeDocument/2006/relationships" xmlns:p="http://schemas.openxmlformats.org/presentationml/2006/main" matchingName="Title slide" type="title">
   <p:cSld name="TITLE">
@@ -1294,366 +1195,6 @@
 </file>
 
 <file path=ppt/slideLayouts/slideLayout10.xml><?xml version="1.0" encoding="utf-8"?>
-<p:sldLayout xmlns:a="http://schemas.openxmlformats.org/drawingml/2006/main" xmlns:r="http://schemas.openxmlformats.org/officeDocument/2006/relationships" xmlns:p="http://schemas.openxmlformats.org/presentationml/2006/main" matchingName="Big number">
-  <p:cSld name="BIG_NUMBER">
-    <p:spTree>
-      <p:nvGrpSpPr>
-        <p:cNvPr id="1" name="Shape 44"/>
-        <p:cNvGrpSpPr/>
-        <p:nvPr/>
-      </p:nvGrpSpPr>
-      <p:grpSpPr>
-        <a:xfrm>
-          <a:off x="0" y="0"/>
-          <a:ext cx="0" cy="0"/>
-          <a:chOff x="0" y="0"/>
-          <a:chExt cx="0" cy="0"/>
-        </a:xfrm>
-      </p:grpSpPr>
-      <p:sp>
-        <p:nvSpPr>
-          <p:cNvPr id="45" name="Google Shape;45;p11"/>
-          <p:cNvSpPr txBox="1">
-            <a:spLocks noGrp="1"/>
-          </p:cNvSpPr>
-          <p:nvPr>
-            <p:ph type="title" hasCustomPrompt="1"/>
-          </p:nvPr>
-        </p:nvSpPr>
-        <p:spPr>
-          <a:xfrm>
-            <a:off x="311700" y="1106125"/>
-            <a:ext cx="8520600" cy="1963500"/>
-          </a:xfrm>
-          <a:prstGeom prst="rect">
-            <a:avLst/>
-          </a:prstGeom>
-        </p:spPr>
-        <p:txBody>
-          <a:bodyPr spcFirstLastPara="1" wrap="square" lIns="91425" tIns="91425" rIns="91425" bIns="91425" anchor="b" anchorCtr="0"/>
-          <a:lstStyle>
-            <a:lvl1pPr lvl="0" algn="ctr">
-              <a:spcBef>
-                <a:spcPts val="0"/>
-              </a:spcBef>
-              <a:spcAft>
-                <a:spcPts val="0"/>
-              </a:spcAft>
-              <a:buSzPts val="12000"/>
-              <a:buNone/>
-              <a:defRPr sz="12000"/>
-            </a:lvl1pPr>
-            <a:lvl2pPr lvl="1" algn="ctr">
-              <a:spcBef>
-                <a:spcPts val="0"/>
-              </a:spcBef>
-              <a:spcAft>
-                <a:spcPts val="0"/>
-              </a:spcAft>
-              <a:buSzPts val="12000"/>
-              <a:buNone/>
-              <a:defRPr sz="12000"/>
-            </a:lvl2pPr>
-            <a:lvl3pPr lvl="2" algn="ctr">
-              <a:spcBef>
-                <a:spcPts val="0"/>
-              </a:spcBef>
-              <a:spcAft>
-                <a:spcPts val="0"/>
-              </a:spcAft>
-              <a:buSzPts val="12000"/>
-              <a:buNone/>
-              <a:defRPr sz="12000"/>
-            </a:lvl3pPr>
-            <a:lvl4pPr lvl="3" algn="ctr">
-              <a:spcBef>
-                <a:spcPts val="0"/>
-              </a:spcBef>
-              <a:spcAft>
-                <a:spcPts val="0"/>
-              </a:spcAft>
-              <a:buSzPts val="12000"/>
-              <a:buNone/>
-              <a:defRPr sz="12000"/>
-            </a:lvl4pPr>
-            <a:lvl5pPr lvl="4" algn="ctr">
-              <a:spcBef>
-                <a:spcPts val="0"/>
-              </a:spcBef>
-              <a:spcAft>
-                <a:spcPts val="0"/>
-              </a:spcAft>
-              <a:buSzPts val="12000"/>
-              <a:buNone/>
-              <a:defRPr sz="12000"/>
-            </a:lvl5pPr>
-            <a:lvl6pPr lvl="5" algn="ctr">
-              <a:spcBef>
-                <a:spcPts val="0"/>
-              </a:spcBef>
-              <a:spcAft>
-                <a:spcPts val="0"/>
-              </a:spcAft>
-              <a:buSzPts val="12000"/>
-              <a:buNone/>
-              <a:defRPr sz="12000"/>
-            </a:lvl6pPr>
-            <a:lvl7pPr lvl="6" algn="ctr">
-              <a:spcBef>
-                <a:spcPts val="0"/>
-              </a:spcBef>
-              <a:spcAft>
-                <a:spcPts val="0"/>
-              </a:spcAft>
-              <a:buSzPts val="12000"/>
-              <a:buNone/>
-              <a:defRPr sz="12000"/>
-            </a:lvl7pPr>
-            <a:lvl8pPr lvl="7" algn="ctr">
-              <a:spcBef>
-                <a:spcPts val="0"/>
-              </a:spcBef>
-              <a:spcAft>
-                <a:spcPts val="0"/>
-              </a:spcAft>
-              <a:buSzPts val="12000"/>
-              <a:buNone/>
-              <a:defRPr sz="12000"/>
-            </a:lvl8pPr>
-            <a:lvl9pPr lvl="8" algn="ctr">
-              <a:spcBef>
-                <a:spcPts val="0"/>
-              </a:spcBef>
-              <a:spcAft>
-                <a:spcPts val="0"/>
-              </a:spcAft>
-              <a:buSzPts val="12000"/>
-              <a:buNone/>
-              <a:defRPr sz="12000"/>
-            </a:lvl9pPr>
-          </a:lstStyle>
-          <a:p>
-            <a:r>
-              <a:t>xx%</a:t>
-            </a:r>
-          </a:p>
-        </p:txBody>
-      </p:sp>
-      <p:sp>
-        <p:nvSpPr>
-          <p:cNvPr id="46" name="Google Shape;46;p11"/>
-          <p:cNvSpPr txBox="1">
-            <a:spLocks noGrp="1"/>
-          </p:cNvSpPr>
-          <p:nvPr>
-            <p:ph type="body" idx="1"/>
-          </p:nvPr>
-        </p:nvSpPr>
-        <p:spPr>
-          <a:xfrm>
-            <a:off x="311700" y="3152225"/>
-            <a:ext cx="8520600" cy="1300800"/>
-          </a:xfrm>
-          <a:prstGeom prst="rect">
-            <a:avLst/>
-          </a:prstGeom>
-        </p:spPr>
-        <p:txBody>
-          <a:bodyPr spcFirstLastPara="1" wrap="square" lIns="91425" tIns="91425" rIns="91425" bIns="91425" anchor="t" anchorCtr="0"/>
-          <a:lstStyle>
-            <a:lvl1pPr marL="457200" lvl="0" indent="-342900" algn="ctr">
-              <a:spcBef>
-                <a:spcPts val="0"/>
-              </a:spcBef>
-              <a:spcAft>
-                <a:spcPts val="0"/>
-              </a:spcAft>
-              <a:buSzPts val="1800"/>
-              <a:buChar char="●"/>
-              <a:defRPr/>
-            </a:lvl1pPr>
-            <a:lvl2pPr marL="914400" lvl="1" indent="-317500" algn="ctr">
-              <a:spcBef>
-                <a:spcPts val="1600"/>
-              </a:spcBef>
-              <a:spcAft>
-                <a:spcPts val="0"/>
-              </a:spcAft>
-              <a:buSzPts val="1400"/>
-              <a:buChar char="○"/>
-              <a:defRPr/>
-            </a:lvl2pPr>
-            <a:lvl3pPr marL="1371600" lvl="2" indent="-317500" algn="ctr">
-              <a:spcBef>
-                <a:spcPts val="1600"/>
-              </a:spcBef>
-              <a:spcAft>
-                <a:spcPts val="0"/>
-              </a:spcAft>
-              <a:buSzPts val="1400"/>
-              <a:buChar char="■"/>
-              <a:defRPr/>
-            </a:lvl3pPr>
-            <a:lvl4pPr marL="1828800" lvl="3" indent="-317500" algn="ctr">
-              <a:spcBef>
-                <a:spcPts val="1600"/>
-              </a:spcBef>
-              <a:spcAft>
-                <a:spcPts val="0"/>
-              </a:spcAft>
-              <a:buSzPts val="1400"/>
-              <a:buChar char="●"/>
-              <a:defRPr/>
-            </a:lvl4pPr>
-            <a:lvl5pPr marL="2286000" lvl="4" indent="-317500" algn="ctr">
-              <a:spcBef>
-                <a:spcPts val="1600"/>
-              </a:spcBef>
-              <a:spcAft>
-                <a:spcPts val="0"/>
-              </a:spcAft>
-              <a:buSzPts val="1400"/>
-              <a:buChar char="○"/>
-              <a:defRPr/>
-            </a:lvl5pPr>
-            <a:lvl6pPr marL="2743200" lvl="5" indent="-317500" algn="ctr">
-              <a:spcBef>
-                <a:spcPts val="1600"/>
-              </a:spcBef>
-              <a:spcAft>
-                <a:spcPts val="0"/>
-              </a:spcAft>
-              <a:buSzPts val="1400"/>
-              <a:buChar char="■"/>
-              <a:defRPr/>
-            </a:lvl6pPr>
-            <a:lvl7pPr marL="3200400" lvl="6" indent="-317500" algn="ctr">
-              <a:spcBef>
-                <a:spcPts val="1600"/>
-              </a:spcBef>
-              <a:spcAft>
-                <a:spcPts val="0"/>
-              </a:spcAft>
-              <a:buSzPts val="1400"/>
-              <a:buChar char="●"/>
-              <a:defRPr/>
-            </a:lvl7pPr>
-            <a:lvl8pPr marL="3657600" lvl="7" indent="-317500" algn="ctr">
-              <a:spcBef>
-                <a:spcPts val="1600"/>
-              </a:spcBef>
-              <a:spcAft>
-                <a:spcPts val="0"/>
-              </a:spcAft>
-              <a:buSzPts val="1400"/>
-              <a:buChar char="○"/>
-              <a:defRPr/>
-            </a:lvl8pPr>
-            <a:lvl9pPr marL="4114800" lvl="8" indent="-317500" algn="ctr">
-              <a:spcBef>
-                <a:spcPts val="1600"/>
-              </a:spcBef>
-              <a:spcAft>
-                <a:spcPts val="1600"/>
-              </a:spcAft>
-              <a:buSzPts val="1400"/>
-              <a:buChar char="■"/>
-              <a:defRPr/>
-            </a:lvl9pPr>
-          </a:lstStyle>
-          <a:p>
-            <a:endParaRPr/>
-          </a:p>
-        </p:txBody>
-      </p:sp>
-      <p:sp>
-        <p:nvSpPr>
-          <p:cNvPr id="47" name="Google Shape;47;p11"/>
-          <p:cNvSpPr txBox="1">
-            <a:spLocks noGrp="1"/>
-          </p:cNvSpPr>
-          <p:nvPr>
-            <p:ph type="sldNum" idx="12"/>
-          </p:nvPr>
-        </p:nvSpPr>
-        <p:spPr>
-          <a:xfrm>
-            <a:off x="8472458" y="4663217"/>
-            <a:ext cx="548700" cy="393600"/>
-          </a:xfrm>
-          <a:prstGeom prst="rect">
-            <a:avLst/>
-          </a:prstGeom>
-        </p:spPr>
-        <p:txBody>
-          <a:bodyPr spcFirstLastPara="1" wrap="square" lIns="91425" tIns="91425" rIns="91425" bIns="91425" anchor="ctr" anchorCtr="0">
-            <a:noAutofit/>
-          </a:bodyPr>
-          <a:lstStyle>
-            <a:lvl1pPr lvl="0">
-              <a:buNone/>
-              <a:defRPr/>
-            </a:lvl1pPr>
-            <a:lvl2pPr lvl="1">
-              <a:buNone/>
-              <a:defRPr/>
-            </a:lvl2pPr>
-            <a:lvl3pPr lvl="2">
-              <a:buNone/>
-              <a:defRPr/>
-            </a:lvl3pPr>
-            <a:lvl4pPr lvl="3">
-              <a:buNone/>
-              <a:defRPr/>
-            </a:lvl4pPr>
-            <a:lvl5pPr lvl="4">
-              <a:buNone/>
-              <a:defRPr/>
-            </a:lvl5pPr>
-            <a:lvl6pPr lvl="5">
-              <a:buNone/>
-              <a:defRPr/>
-            </a:lvl6pPr>
-            <a:lvl7pPr lvl="6">
-              <a:buNone/>
-              <a:defRPr/>
-            </a:lvl7pPr>
-            <a:lvl8pPr lvl="7">
-              <a:buNone/>
-              <a:defRPr/>
-            </a:lvl8pPr>
-            <a:lvl9pPr lvl="8">
-              <a:buNone/>
-              <a:defRPr/>
-            </a:lvl9pPr>
-          </a:lstStyle>
-          <a:p>
-            <a:pPr marL="0" lvl="0" indent="0" algn="r" rtl="0">
-              <a:spcBef>
-                <a:spcPts val="0"/>
-              </a:spcBef>
-              <a:spcAft>
-                <a:spcPts val="0"/>
-              </a:spcAft>
-              <a:buNone/>
-            </a:pPr>
-            <a:fld id="{00000000-1234-1234-1234-123412341234}" type="slidenum">
-              <a:rPr lang="en"/>
-              <a:t>‹#›</a:t>
-            </a:fld>
-            <a:endParaRPr/>
-          </a:p>
-        </p:txBody>
-      </p:sp>
-    </p:spTree>
-  </p:cSld>
-  <p:clrMapOvr>
-    <a:masterClrMapping/>
-  </p:clrMapOvr>
-</p:sldLayout>
-</file>
-
-<file path=ppt/slideLayouts/slideLayout11.xml><?xml version="1.0" encoding="utf-8"?>
 <p:sldLayout xmlns:a="http://schemas.openxmlformats.org/drawingml/2006/main" xmlns:r="http://schemas.openxmlformats.org/officeDocument/2006/relationships" xmlns:p="http://schemas.openxmlformats.org/presentationml/2006/main" matchingName="Blank" type="blank">
   <p:cSld name="BLANK">
     <p:spTree>
@@ -1989,364 +1530,6 @@
 </file>
 
 <file path=ppt/slideLayouts/slideLayout3.xml><?xml version="1.0" encoding="utf-8"?>
-<p:sldLayout xmlns:a="http://schemas.openxmlformats.org/drawingml/2006/main" xmlns:r="http://schemas.openxmlformats.org/officeDocument/2006/relationships" xmlns:p="http://schemas.openxmlformats.org/presentationml/2006/main" matchingName="Title and body" type="tx">
-  <p:cSld name="TITLE_AND_BODY">
-    <p:spTree>
-      <p:nvGrpSpPr>
-        <p:cNvPr id="1" name="Shape 16"/>
-        <p:cNvGrpSpPr/>
-        <p:nvPr/>
-      </p:nvGrpSpPr>
-      <p:grpSpPr>
-        <a:xfrm>
-          <a:off x="0" y="0"/>
-          <a:ext cx="0" cy="0"/>
-          <a:chOff x="0" y="0"/>
-          <a:chExt cx="0" cy="0"/>
-        </a:xfrm>
-      </p:grpSpPr>
-      <p:sp>
-        <p:nvSpPr>
-          <p:cNvPr id="17" name="Google Shape;17;p4"/>
-          <p:cNvSpPr txBox="1">
-            <a:spLocks noGrp="1"/>
-          </p:cNvSpPr>
-          <p:nvPr>
-            <p:ph type="title"/>
-          </p:nvPr>
-        </p:nvSpPr>
-        <p:spPr>
-          <a:xfrm>
-            <a:off x="311700" y="445025"/>
-            <a:ext cx="8520600" cy="572700"/>
-          </a:xfrm>
-          <a:prstGeom prst="rect">
-            <a:avLst/>
-          </a:prstGeom>
-        </p:spPr>
-        <p:txBody>
-          <a:bodyPr spcFirstLastPara="1" wrap="square" lIns="91425" tIns="91425" rIns="91425" bIns="91425" anchor="t" anchorCtr="0"/>
-          <a:lstStyle>
-            <a:lvl1pPr lvl="0">
-              <a:spcBef>
-                <a:spcPts val="0"/>
-              </a:spcBef>
-              <a:spcAft>
-                <a:spcPts val="0"/>
-              </a:spcAft>
-              <a:buSzPts val="2800"/>
-              <a:buNone/>
-              <a:defRPr/>
-            </a:lvl1pPr>
-            <a:lvl2pPr lvl="1">
-              <a:spcBef>
-                <a:spcPts val="0"/>
-              </a:spcBef>
-              <a:spcAft>
-                <a:spcPts val="0"/>
-              </a:spcAft>
-              <a:buSzPts val="2800"/>
-              <a:buNone/>
-              <a:defRPr/>
-            </a:lvl2pPr>
-            <a:lvl3pPr lvl="2">
-              <a:spcBef>
-                <a:spcPts val="0"/>
-              </a:spcBef>
-              <a:spcAft>
-                <a:spcPts val="0"/>
-              </a:spcAft>
-              <a:buSzPts val="2800"/>
-              <a:buNone/>
-              <a:defRPr/>
-            </a:lvl3pPr>
-            <a:lvl4pPr lvl="3">
-              <a:spcBef>
-                <a:spcPts val="0"/>
-              </a:spcBef>
-              <a:spcAft>
-                <a:spcPts val="0"/>
-              </a:spcAft>
-              <a:buSzPts val="2800"/>
-              <a:buNone/>
-              <a:defRPr/>
-            </a:lvl4pPr>
-            <a:lvl5pPr lvl="4">
-              <a:spcBef>
-                <a:spcPts val="0"/>
-              </a:spcBef>
-              <a:spcAft>
-                <a:spcPts val="0"/>
-              </a:spcAft>
-              <a:buSzPts val="2800"/>
-              <a:buNone/>
-              <a:defRPr/>
-            </a:lvl5pPr>
-            <a:lvl6pPr lvl="5">
-              <a:spcBef>
-                <a:spcPts val="0"/>
-              </a:spcBef>
-              <a:spcAft>
-                <a:spcPts val="0"/>
-              </a:spcAft>
-              <a:buSzPts val="2800"/>
-              <a:buNone/>
-              <a:defRPr/>
-            </a:lvl6pPr>
-            <a:lvl7pPr lvl="6">
-              <a:spcBef>
-                <a:spcPts val="0"/>
-              </a:spcBef>
-              <a:spcAft>
-                <a:spcPts val="0"/>
-              </a:spcAft>
-              <a:buSzPts val="2800"/>
-              <a:buNone/>
-              <a:defRPr/>
-            </a:lvl7pPr>
-            <a:lvl8pPr lvl="7">
-              <a:spcBef>
-                <a:spcPts val="0"/>
-              </a:spcBef>
-              <a:spcAft>
-                <a:spcPts val="0"/>
-              </a:spcAft>
-              <a:buSzPts val="2800"/>
-              <a:buNone/>
-              <a:defRPr/>
-            </a:lvl8pPr>
-            <a:lvl9pPr lvl="8">
-              <a:spcBef>
-                <a:spcPts val="0"/>
-              </a:spcBef>
-              <a:spcAft>
-                <a:spcPts val="0"/>
-              </a:spcAft>
-              <a:buSzPts val="2800"/>
-              <a:buNone/>
-              <a:defRPr/>
-            </a:lvl9pPr>
-          </a:lstStyle>
-          <a:p>
-            <a:endParaRPr/>
-          </a:p>
-        </p:txBody>
-      </p:sp>
-      <p:sp>
-        <p:nvSpPr>
-          <p:cNvPr id="18" name="Google Shape;18;p4"/>
-          <p:cNvSpPr txBox="1">
-            <a:spLocks noGrp="1"/>
-          </p:cNvSpPr>
-          <p:nvPr>
-            <p:ph type="body" idx="1"/>
-          </p:nvPr>
-        </p:nvSpPr>
-        <p:spPr>
-          <a:xfrm>
-            <a:off x="311700" y="1152475"/>
-            <a:ext cx="8520600" cy="3416400"/>
-          </a:xfrm>
-          <a:prstGeom prst="rect">
-            <a:avLst/>
-          </a:prstGeom>
-        </p:spPr>
-        <p:txBody>
-          <a:bodyPr spcFirstLastPara="1" wrap="square" lIns="91425" tIns="91425" rIns="91425" bIns="91425" anchor="t" anchorCtr="0"/>
-          <a:lstStyle>
-            <a:lvl1pPr marL="457200" lvl="0" indent="-342900">
-              <a:spcBef>
-                <a:spcPts val="0"/>
-              </a:spcBef>
-              <a:spcAft>
-                <a:spcPts val="0"/>
-              </a:spcAft>
-              <a:buSzPts val="1800"/>
-              <a:buChar char="●"/>
-              <a:defRPr/>
-            </a:lvl1pPr>
-            <a:lvl2pPr marL="914400" lvl="1" indent="-317500">
-              <a:spcBef>
-                <a:spcPts val="1600"/>
-              </a:spcBef>
-              <a:spcAft>
-                <a:spcPts val="0"/>
-              </a:spcAft>
-              <a:buSzPts val="1400"/>
-              <a:buChar char="○"/>
-              <a:defRPr/>
-            </a:lvl2pPr>
-            <a:lvl3pPr marL="1371600" lvl="2" indent="-317500">
-              <a:spcBef>
-                <a:spcPts val="1600"/>
-              </a:spcBef>
-              <a:spcAft>
-                <a:spcPts val="0"/>
-              </a:spcAft>
-              <a:buSzPts val="1400"/>
-              <a:buChar char="■"/>
-              <a:defRPr/>
-            </a:lvl3pPr>
-            <a:lvl4pPr marL="1828800" lvl="3" indent="-317500">
-              <a:spcBef>
-                <a:spcPts val="1600"/>
-              </a:spcBef>
-              <a:spcAft>
-                <a:spcPts val="0"/>
-              </a:spcAft>
-              <a:buSzPts val="1400"/>
-              <a:buChar char="●"/>
-              <a:defRPr/>
-            </a:lvl4pPr>
-            <a:lvl5pPr marL="2286000" lvl="4" indent="-317500">
-              <a:spcBef>
-                <a:spcPts val="1600"/>
-              </a:spcBef>
-              <a:spcAft>
-                <a:spcPts val="0"/>
-              </a:spcAft>
-              <a:buSzPts val="1400"/>
-              <a:buChar char="○"/>
-              <a:defRPr/>
-            </a:lvl5pPr>
-            <a:lvl6pPr marL="2743200" lvl="5" indent="-317500">
-              <a:spcBef>
-                <a:spcPts val="1600"/>
-              </a:spcBef>
-              <a:spcAft>
-                <a:spcPts val="0"/>
-              </a:spcAft>
-              <a:buSzPts val="1400"/>
-              <a:buChar char="■"/>
-              <a:defRPr/>
-            </a:lvl6pPr>
-            <a:lvl7pPr marL="3200400" lvl="6" indent="-317500">
-              <a:spcBef>
-                <a:spcPts val="1600"/>
-              </a:spcBef>
-              <a:spcAft>
-                <a:spcPts val="0"/>
-              </a:spcAft>
-              <a:buSzPts val="1400"/>
-              <a:buChar char="●"/>
-              <a:defRPr/>
-            </a:lvl7pPr>
-            <a:lvl8pPr marL="3657600" lvl="7" indent="-317500">
-              <a:spcBef>
-                <a:spcPts val="1600"/>
-              </a:spcBef>
-              <a:spcAft>
-                <a:spcPts val="0"/>
-              </a:spcAft>
-              <a:buSzPts val="1400"/>
-              <a:buChar char="○"/>
-              <a:defRPr/>
-            </a:lvl8pPr>
-            <a:lvl9pPr marL="4114800" lvl="8" indent="-317500">
-              <a:spcBef>
-                <a:spcPts val="1600"/>
-              </a:spcBef>
-              <a:spcAft>
-                <a:spcPts val="1600"/>
-              </a:spcAft>
-              <a:buSzPts val="1400"/>
-              <a:buChar char="■"/>
-              <a:defRPr/>
-            </a:lvl9pPr>
-          </a:lstStyle>
-          <a:p>
-            <a:endParaRPr/>
-          </a:p>
-        </p:txBody>
-      </p:sp>
-      <p:sp>
-        <p:nvSpPr>
-          <p:cNvPr id="19" name="Google Shape;19;p4"/>
-          <p:cNvSpPr txBox="1">
-            <a:spLocks noGrp="1"/>
-          </p:cNvSpPr>
-          <p:nvPr>
-            <p:ph type="sldNum" idx="12"/>
-          </p:nvPr>
-        </p:nvSpPr>
-        <p:spPr>
-          <a:xfrm>
-            <a:off x="8472458" y="4663217"/>
-            <a:ext cx="548700" cy="393600"/>
-          </a:xfrm>
-          <a:prstGeom prst="rect">
-            <a:avLst/>
-          </a:prstGeom>
-        </p:spPr>
-        <p:txBody>
-          <a:bodyPr spcFirstLastPara="1" wrap="square" lIns="91425" tIns="91425" rIns="91425" bIns="91425" anchor="ctr" anchorCtr="0">
-            <a:noAutofit/>
-          </a:bodyPr>
-          <a:lstStyle>
-            <a:lvl1pPr lvl="0">
-              <a:buNone/>
-              <a:defRPr/>
-            </a:lvl1pPr>
-            <a:lvl2pPr lvl="1">
-              <a:buNone/>
-              <a:defRPr/>
-            </a:lvl2pPr>
-            <a:lvl3pPr lvl="2">
-              <a:buNone/>
-              <a:defRPr/>
-            </a:lvl3pPr>
-            <a:lvl4pPr lvl="3">
-              <a:buNone/>
-              <a:defRPr/>
-            </a:lvl4pPr>
-            <a:lvl5pPr lvl="4">
-              <a:buNone/>
-              <a:defRPr/>
-            </a:lvl5pPr>
-            <a:lvl6pPr lvl="5">
-              <a:buNone/>
-              <a:defRPr/>
-            </a:lvl6pPr>
-            <a:lvl7pPr lvl="6">
-              <a:buNone/>
-              <a:defRPr/>
-            </a:lvl7pPr>
-            <a:lvl8pPr lvl="7">
-              <a:buNone/>
-              <a:defRPr/>
-            </a:lvl8pPr>
-            <a:lvl9pPr lvl="8">
-              <a:buNone/>
-              <a:defRPr/>
-            </a:lvl9pPr>
-          </a:lstStyle>
-          <a:p>
-            <a:pPr marL="0" lvl="0" indent="0" algn="r" rtl="0">
-              <a:spcBef>
-                <a:spcPts val="0"/>
-              </a:spcBef>
-              <a:spcAft>
-                <a:spcPts val="0"/>
-              </a:spcAft>
-              <a:buNone/>
-            </a:pPr>
-            <a:fld id="{00000000-1234-1234-1234-123412341234}" type="slidenum">
-              <a:rPr lang="en"/>
-              <a:t>‹#›</a:t>
-            </a:fld>
-            <a:endParaRPr/>
-          </a:p>
-        </p:txBody>
-      </p:sp>
-    </p:spTree>
-  </p:cSld>
-  <p:clrMapOvr>
-    <a:masterClrMapping/>
-  </p:clrMapOvr>
-</p:sldLayout>
-</file>
-
-<file path=ppt/slideLayouts/slideLayout4.xml><?xml version="1.0" encoding="utf-8"?>
 <p:sldLayout xmlns:a="http://schemas.openxmlformats.org/drawingml/2006/main" xmlns:r="http://schemas.openxmlformats.org/officeDocument/2006/relationships" xmlns:p="http://schemas.openxmlformats.org/presentationml/2006/main" matchingName="Title and two columns" type="twoColTx">
   <p:cSld name="TITLE_AND_TWO_COLUMNS">
     <p:spTree>
@@ -2831,7 +2014,7 @@
 </p:sldLayout>
 </file>
 
-<file path=ppt/slideLayouts/slideLayout5.xml><?xml version="1.0" encoding="utf-8"?>
+<file path=ppt/slideLayouts/slideLayout4.xml><?xml version="1.0" encoding="utf-8"?>
 <p:sldLayout xmlns:a="http://schemas.openxmlformats.org/drawingml/2006/main" xmlns:r="http://schemas.openxmlformats.org/officeDocument/2006/relationships" xmlns:p="http://schemas.openxmlformats.org/presentationml/2006/main" matchingName="Title only" type="titleOnly">
   <p:cSld name="TITLE_ONLY">
     <p:spTree>
@@ -3062,7 +2245,7 @@
 </p:sldLayout>
 </file>
 
-<file path=ppt/slideLayouts/slideLayout6.xml><?xml version="1.0" encoding="utf-8"?>
+<file path=ppt/slideLayouts/slideLayout5.xml><?xml version="1.0" encoding="utf-8"?>
 <p:sldLayout xmlns:a="http://schemas.openxmlformats.org/drawingml/2006/main" xmlns:r="http://schemas.openxmlformats.org/officeDocument/2006/relationships" xmlns:p="http://schemas.openxmlformats.org/presentationml/2006/main" matchingName="One column text">
   <p:cSld name="ONE_COLUMN_TEXT">
     <p:spTree>
@@ -3420,7 +2603,7 @@
 </p:sldLayout>
 </file>
 
-<file path=ppt/slideLayouts/slideLayout7.xml><?xml version="1.0" encoding="utf-8"?>
+<file path=ppt/slideLayouts/slideLayout6.xml><?xml version="1.0" encoding="utf-8"?>
 <p:sldLayout xmlns:a="http://schemas.openxmlformats.org/drawingml/2006/main" xmlns:r="http://schemas.openxmlformats.org/officeDocument/2006/relationships" xmlns:p="http://schemas.openxmlformats.org/presentationml/2006/main" matchingName="Main point">
   <p:cSld name="MAIN_POINT">
     <p:spTree>
@@ -3651,7 +2834,7 @@
 </p:sldLayout>
 </file>
 
-<file path=ppt/slideLayouts/slideLayout8.xml><?xml version="1.0" encoding="utf-8"?>
+<file path=ppt/slideLayouts/slideLayout7.xml><?xml version="1.0" encoding="utf-8"?>
 <p:sldLayout xmlns:a="http://schemas.openxmlformats.org/drawingml/2006/main" xmlns:r="http://schemas.openxmlformats.org/officeDocument/2006/relationships" xmlns:p="http://schemas.openxmlformats.org/presentationml/2006/main" matchingName="Section title and description">
   <p:cSld name="SECTION_TITLE_AND_DESCRIPTION">
     <p:spTree>
@@ -4203,7 +3386,7 @@
 </p:sldLayout>
 </file>
 
-<file path=ppt/slideLayouts/slideLayout9.xml><?xml version="1.0" encoding="utf-8"?>
+<file path=ppt/slideLayouts/slideLayout8.xml><?xml version="1.0" encoding="utf-8"?>
 <p:sldLayout xmlns:a="http://schemas.openxmlformats.org/drawingml/2006/main" xmlns:r="http://schemas.openxmlformats.org/officeDocument/2006/relationships" xmlns:p="http://schemas.openxmlformats.org/presentationml/2006/main" matchingName="Caption">
   <p:cSld name="CAPTION_ONLY">
     <p:spTree>
@@ -4265,6 +3448,366 @@
       <p:sp>
         <p:nvSpPr>
           <p:cNvPr id="43" name="Google Shape;43;p10"/>
+          <p:cNvSpPr txBox="1">
+            <a:spLocks noGrp="1"/>
+          </p:cNvSpPr>
+          <p:nvPr>
+            <p:ph type="sldNum" idx="12"/>
+          </p:nvPr>
+        </p:nvSpPr>
+        <p:spPr>
+          <a:xfrm>
+            <a:off x="8472458" y="4663217"/>
+            <a:ext cx="548700" cy="393600"/>
+          </a:xfrm>
+          <a:prstGeom prst="rect">
+            <a:avLst/>
+          </a:prstGeom>
+        </p:spPr>
+        <p:txBody>
+          <a:bodyPr spcFirstLastPara="1" wrap="square" lIns="91425" tIns="91425" rIns="91425" bIns="91425" anchor="ctr" anchorCtr="0">
+            <a:noAutofit/>
+          </a:bodyPr>
+          <a:lstStyle>
+            <a:lvl1pPr lvl="0">
+              <a:buNone/>
+              <a:defRPr/>
+            </a:lvl1pPr>
+            <a:lvl2pPr lvl="1">
+              <a:buNone/>
+              <a:defRPr/>
+            </a:lvl2pPr>
+            <a:lvl3pPr lvl="2">
+              <a:buNone/>
+              <a:defRPr/>
+            </a:lvl3pPr>
+            <a:lvl4pPr lvl="3">
+              <a:buNone/>
+              <a:defRPr/>
+            </a:lvl4pPr>
+            <a:lvl5pPr lvl="4">
+              <a:buNone/>
+              <a:defRPr/>
+            </a:lvl5pPr>
+            <a:lvl6pPr lvl="5">
+              <a:buNone/>
+              <a:defRPr/>
+            </a:lvl6pPr>
+            <a:lvl7pPr lvl="6">
+              <a:buNone/>
+              <a:defRPr/>
+            </a:lvl7pPr>
+            <a:lvl8pPr lvl="7">
+              <a:buNone/>
+              <a:defRPr/>
+            </a:lvl8pPr>
+            <a:lvl9pPr lvl="8">
+              <a:buNone/>
+              <a:defRPr/>
+            </a:lvl9pPr>
+          </a:lstStyle>
+          <a:p>
+            <a:pPr marL="0" lvl="0" indent="0" algn="r" rtl="0">
+              <a:spcBef>
+                <a:spcPts val="0"/>
+              </a:spcBef>
+              <a:spcAft>
+                <a:spcPts val="0"/>
+              </a:spcAft>
+              <a:buNone/>
+            </a:pPr>
+            <a:fld id="{00000000-1234-1234-1234-123412341234}" type="slidenum">
+              <a:rPr lang="en"/>
+              <a:t>‹#›</a:t>
+            </a:fld>
+            <a:endParaRPr/>
+          </a:p>
+        </p:txBody>
+      </p:sp>
+    </p:spTree>
+  </p:cSld>
+  <p:clrMapOvr>
+    <a:masterClrMapping/>
+  </p:clrMapOvr>
+</p:sldLayout>
+</file>
+
+<file path=ppt/slideLayouts/slideLayout9.xml><?xml version="1.0" encoding="utf-8"?>
+<p:sldLayout xmlns:a="http://schemas.openxmlformats.org/drawingml/2006/main" xmlns:r="http://schemas.openxmlformats.org/officeDocument/2006/relationships" xmlns:p="http://schemas.openxmlformats.org/presentationml/2006/main" matchingName="Big number">
+  <p:cSld name="BIG_NUMBER">
+    <p:spTree>
+      <p:nvGrpSpPr>
+        <p:cNvPr id="1" name="Shape 44"/>
+        <p:cNvGrpSpPr/>
+        <p:nvPr/>
+      </p:nvGrpSpPr>
+      <p:grpSpPr>
+        <a:xfrm>
+          <a:off x="0" y="0"/>
+          <a:ext cx="0" cy="0"/>
+          <a:chOff x="0" y="0"/>
+          <a:chExt cx="0" cy="0"/>
+        </a:xfrm>
+      </p:grpSpPr>
+      <p:sp>
+        <p:nvSpPr>
+          <p:cNvPr id="45" name="Google Shape;45;p11"/>
+          <p:cNvSpPr txBox="1">
+            <a:spLocks noGrp="1"/>
+          </p:cNvSpPr>
+          <p:nvPr>
+            <p:ph type="title" hasCustomPrompt="1"/>
+          </p:nvPr>
+        </p:nvSpPr>
+        <p:spPr>
+          <a:xfrm>
+            <a:off x="311700" y="1106125"/>
+            <a:ext cx="8520600" cy="1963500"/>
+          </a:xfrm>
+          <a:prstGeom prst="rect">
+            <a:avLst/>
+          </a:prstGeom>
+        </p:spPr>
+        <p:txBody>
+          <a:bodyPr spcFirstLastPara="1" wrap="square" lIns="91425" tIns="91425" rIns="91425" bIns="91425" anchor="b" anchorCtr="0"/>
+          <a:lstStyle>
+            <a:lvl1pPr lvl="0" algn="ctr">
+              <a:spcBef>
+                <a:spcPts val="0"/>
+              </a:spcBef>
+              <a:spcAft>
+                <a:spcPts val="0"/>
+              </a:spcAft>
+              <a:buSzPts val="12000"/>
+              <a:buNone/>
+              <a:defRPr sz="12000"/>
+            </a:lvl1pPr>
+            <a:lvl2pPr lvl="1" algn="ctr">
+              <a:spcBef>
+                <a:spcPts val="0"/>
+              </a:spcBef>
+              <a:spcAft>
+                <a:spcPts val="0"/>
+              </a:spcAft>
+              <a:buSzPts val="12000"/>
+              <a:buNone/>
+              <a:defRPr sz="12000"/>
+            </a:lvl2pPr>
+            <a:lvl3pPr lvl="2" algn="ctr">
+              <a:spcBef>
+                <a:spcPts val="0"/>
+              </a:spcBef>
+              <a:spcAft>
+                <a:spcPts val="0"/>
+              </a:spcAft>
+              <a:buSzPts val="12000"/>
+              <a:buNone/>
+              <a:defRPr sz="12000"/>
+            </a:lvl3pPr>
+            <a:lvl4pPr lvl="3" algn="ctr">
+              <a:spcBef>
+                <a:spcPts val="0"/>
+              </a:spcBef>
+              <a:spcAft>
+                <a:spcPts val="0"/>
+              </a:spcAft>
+              <a:buSzPts val="12000"/>
+              <a:buNone/>
+              <a:defRPr sz="12000"/>
+            </a:lvl4pPr>
+            <a:lvl5pPr lvl="4" algn="ctr">
+              <a:spcBef>
+                <a:spcPts val="0"/>
+              </a:spcBef>
+              <a:spcAft>
+                <a:spcPts val="0"/>
+              </a:spcAft>
+              <a:buSzPts val="12000"/>
+              <a:buNone/>
+              <a:defRPr sz="12000"/>
+            </a:lvl5pPr>
+            <a:lvl6pPr lvl="5" algn="ctr">
+              <a:spcBef>
+                <a:spcPts val="0"/>
+              </a:spcBef>
+              <a:spcAft>
+                <a:spcPts val="0"/>
+              </a:spcAft>
+              <a:buSzPts val="12000"/>
+              <a:buNone/>
+              <a:defRPr sz="12000"/>
+            </a:lvl6pPr>
+            <a:lvl7pPr lvl="6" algn="ctr">
+              <a:spcBef>
+                <a:spcPts val="0"/>
+              </a:spcBef>
+              <a:spcAft>
+                <a:spcPts val="0"/>
+              </a:spcAft>
+              <a:buSzPts val="12000"/>
+              <a:buNone/>
+              <a:defRPr sz="12000"/>
+            </a:lvl7pPr>
+            <a:lvl8pPr lvl="7" algn="ctr">
+              <a:spcBef>
+                <a:spcPts val="0"/>
+              </a:spcBef>
+              <a:spcAft>
+                <a:spcPts val="0"/>
+              </a:spcAft>
+              <a:buSzPts val="12000"/>
+              <a:buNone/>
+              <a:defRPr sz="12000"/>
+            </a:lvl8pPr>
+            <a:lvl9pPr lvl="8" algn="ctr">
+              <a:spcBef>
+                <a:spcPts val="0"/>
+              </a:spcBef>
+              <a:spcAft>
+                <a:spcPts val="0"/>
+              </a:spcAft>
+              <a:buSzPts val="12000"/>
+              <a:buNone/>
+              <a:defRPr sz="12000"/>
+            </a:lvl9pPr>
+          </a:lstStyle>
+          <a:p>
+            <a:r>
+              <a:t>xx%</a:t>
+            </a:r>
+          </a:p>
+        </p:txBody>
+      </p:sp>
+      <p:sp>
+        <p:nvSpPr>
+          <p:cNvPr id="46" name="Google Shape;46;p11"/>
+          <p:cNvSpPr txBox="1">
+            <a:spLocks noGrp="1"/>
+          </p:cNvSpPr>
+          <p:nvPr>
+            <p:ph type="body" idx="1"/>
+          </p:nvPr>
+        </p:nvSpPr>
+        <p:spPr>
+          <a:xfrm>
+            <a:off x="311700" y="3152225"/>
+            <a:ext cx="8520600" cy="1300800"/>
+          </a:xfrm>
+          <a:prstGeom prst="rect">
+            <a:avLst/>
+          </a:prstGeom>
+        </p:spPr>
+        <p:txBody>
+          <a:bodyPr spcFirstLastPara="1" wrap="square" lIns="91425" tIns="91425" rIns="91425" bIns="91425" anchor="t" anchorCtr="0"/>
+          <a:lstStyle>
+            <a:lvl1pPr marL="457200" lvl="0" indent="-342900" algn="ctr">
+              <a:spcBef>
+                <a:spcPts val="0"/>
+              </a:spcBef>
+              <a:spcAft>
+                <a:spcPts val="0"/>
+              </a:spcAft>
+              <a:buSzPts val="1800"/>
+              <a:buChar char="●"/>
+              <a:defRPr/>
+            </a:lvl1pPr>
+            <a:lvl2pPr marL="914400" lvl="1" indent="-317500" algn="ctr">
+              <a:spcBef>
+                <a:spcPts val="1600"/>
+              </a:spcBef>
+              <a:spcAft>
+                <a:spcPts val="0"/>
+              </a:spcAft>
+              <a:buSzPts val="1400"/>
+              <a:buChar char="○"/>
+              <a:defRPr/>
+            </a:lvl2pPr>
+            <a:lvl3pPr marL="1371600" lvl="2" indent="-317500" algn="ctr">
+              <a:spcBef>
+                <a:spcPts val="1600"/>
+              </a:spcBef>
+              <a:spcAft>
+                <a:spcPts val="0"/>
+              </a:spcAft>
+              <a:buSzPts val="1400"/>
+              <a:buChar char="■"/>
+              <a:defRPr/>
+            </a:lvl3pPr>
+            <a:lvl4pPr marL="1828800" lvl="3" indent="-317500" algn="ctr">
+              <a:spcBef>
+                <a:spcPts val="1600"/>
+              </a:spcBef>
+              <a:spcAft>
+                <a:spcPts val="0"/>
+              </a:spcAft>
+              <a:buSzPts val="1400"/>
+              <a:buChar char="●"/>
+              <a:defRPr/>
+            </a:lvl4pPr>
+            <a:lvl5pPr marL="2286000" lvl="4" indent="-317500" algn="ctr">
+              <a:spcBef>
+                <a:spcPts val="1600"/>
+              </a:spcBef>
+              <a:spcAft>
+                <a:spcPts val="0"/>
+              </a:spcAft>
+              <a:buSzPts val="1400"/>
+              <a:buChar char="○"/>
+              <a:defRPr/>
+            </a:lvl5pPr>
+            <a:lvl6pPr marL="2743200" lvl="5" indent="-317500" algn="ctr">
+              <a:spcBef>
+                <a:spcPts val="1600"/>
+              </a:spcBef>
+              <a:spcAft>
+                <a:spcPts val="0"/>
+              </a:spcAft>
+              <a:buSzPts val="1400"/>
+              <a:buChar char="■"/>
+              <a:defRPr/>
+            </a:lvl6pPr>
+            <a:lvl7pPr marL="3200400" lvl="6" indent="-317500" algn="ctr">
+              <a:spcBef>
+                <a:spcPts val="1600"/>
+              </a:spcBef>
+              <a:spcAft>
+                <a:spcPts val="0"/>
+              </a:spcAft>
+              <a:buSzPts val="1400"/>
+              <a:buChar char="●"/>
+              <a:defRPr/>
+            </a:lvl7pPr>
+            <a:lvl8pPr marL="3657600" lvl="7" indent="-317500" algn="ctr">
+              <a:spcBef>
+                <a:spcPts val="1600"/>
+              </a:spcBef>
+              <a:spcAft>
+                <a:spcPts val="0"/>
+              </a:spcAft>
+              <a:buSzPts val="1400"/>
+              <a:buChar char="○"/>
+              <a:defRPr/>
+            </a:lvl8pPr>
+            <a:lvl9pPr marL="4114800" lvl="8" indent="-317500" algn="ctr">
+              <a:spcBef>
+                <a:spcPts val="1600"/>
+              </a:spcBef>
+              <a:spcAft>
+                <a:spcPts val="1600"/>
+              </a:spcAft>
+              <a:buSzPts val="1400"/>
+              <a:buChar char="■"/>
+              <a:defRPr/>
+            </a:lvl9pPr>
+          </a:lstStyle>
+          <a:p>
+            <a:endParaRPr/>
+          </a:p>
+        </p:txBody>
+      </p:sp>
+      <p:sp>
+        <p:nvSpPr>
+          <p:cNvPr id="47" name="Google Shape;47;p11"/>
           <p:cNvSpPr txBox="1">
             <a:spLocks noGrp="1"/>
           </p:cNvSpPr>
@@ -4914,15 +4457,14 @@
   <p:sldLayoutIdLst>
     <p:sldLayoutId id="2147483648" r:id="rId1"/>
     <p:sldLayoutId id="2147483649" r:id="rId2"/>
-    <p:sldLayoutId id="2147483650" r:id="rId3"/>
-    <p:sldLayoutId id="2147483651" r:id="rId4"/>
-    <p:sldLayoutId id="2147483652" r:id="rId5"/>
-    <p:sldLayoutId id="2147483653" r:id="rId6"/>
-    <p:sldLayoutId id="2147483654" r:id="rId7"/>
-    <p:sldLayoutId id="2147483655" r:id="rId8"/>
-    <p:sldLayoutId id="2147483656" r:id="rId9"/>
-    <p:sldLayoutId id="2147483657" r:id="rId10"/>
-    <p:sldLayoutId id="2147483658" r:id="rId11"/>
+    <p:sldLayoutId id="2147483651" r:id="rId3"/>
+    <p:sldLayoutId id="2147483652" r:id="rId4"/>
+    <p:sldLayoutId id="2147483653" r:id="rId5"/>
+    <p:sldLayoutId id="2147483654" r:id="rId6"/>
+    <p:sldLayoutId id="2147483655" r:id="rId7"/>
+    <p:sldLayoutId id="2147483656" r:id="rId8"/>
+    <p:sldLayoutId id="2147483657" r:id="rId9"/>
+    <p:sldLayoutId id="2147483658" r:id="rId10"/>
   </p:sldLayoutIdLst>
   <p:hf sldNum="0" hdr="0" ftr="0" dt="0"/>
   <p:txStyles>
@@ -6539,7 +6081,7 @@
   <p:cSld>
     <p:spTree>
       <p:nvGrpSpPr>
-        <p:cNvPr id="1" name="Shape 76"/>
+        <p:cNvPr id="1" name=""/>
         <p:cNvGrpSpPr/>
         <p:nvPr/>
       </p:nvGrpSpPr>
@@ -6551,35 +6093,634 @@
           <a:chExt cx="0" cy="0"/>
         </a:xfrm>
       </p:grpSpPr>
-      <p:pic>
-        <p:nvPicPr>
-          <p:cNvPr id="77" name="Google Shape;77;p14"/>
-          <p:cNvPicPr preferRelativeResize="0"/>
+      <p:grpSp>
+        <p:nvGrpSpPr>
+          <p:cNvPr id="12" name="Group 11"/>
+          <p:cNvGrpSpPr/>
           <p:nvPr/>
-        </p:nvPicPr>
-        <p:blipFill>
-          <a:blip r:embed="rId3">
-            <a:alphaModFix/>
-          </a:blip>
-          <a:stretch>
-            <a:fillRect/>
-          </a:stretch>
-        </p:blipFill>
-        <p:spPr>
+        </p:nvGrpSpPr>
+        <p:grpSpPr>
           <a:xfrm>
-            <a:off x="2001625" y="423863"/>
-            <a:ext cx="5305425" cy="4295775"/>
+            <a:off x="1024156" y="348192"/>
+            <a:ext cx="6966437" cy="4316742"/>
+            <a:chOff x="1024155" y="464255"/>
+            <a:chExt cx="6966437" cy="5755656"/>
           </a:xfrm>
-          <a:prstGeom prst="rect">
-            <a:avLst/>
-          </a:prstGeom>
-          <a:noFill/>
-          <a:ln>
+        </p:grpSpPr>
+        <p:sp>
+          <p:nvSpPr>
+            <p:cNvPr id="4" name="Rectangle 3"/>
+            <p:cNvSpPr/>
+            <p:nvPr/>
+          </p:nvSpPr>
+          <p:spPr>
+            <a:xfrm>
+              <a:off x="1024155" y="3428601"/>
+              <a:ext cx="2444318" cy="1119673"/>
+            </a:xfrm>
+            <a:prstGeom prst="rect">
+              <a:avLst/>
+            </a:prstGeom>
             <a:noFill/>
-          </a:ln>
-        </p:spPr>
-      </p:pic>
+            <a:ln>
+              <a:solidFill>
+                <a:srgbClr val="008000"/>
+              </a:solidFill>
+            </a:ln>
+          </p:spPr>
+          <p:style>
+            <a:lnRef idx="1">
+              <a:schemeClr val="accent3"/>
+            </a:lnRef>
+            <a:fillRef idx="3">
+              <a:schemeClr val="accent3"/>
+            </a:fillRef>
+            <a:effectRef idx="2">
+              <a:schemeClr val="accent3"/>
+            </a:effectRef>
+            <a:fontRef idx="minor">
+              <a:schemeClr val="lt1"/>
+            </a:fontRef>
+          </p:style>
+          <p:txBody>
+            <a:bodyPr rtlCol="0" anchor="ctr"/>
+            <a:lstStyle/>
+            <a:p>
+              <a:pPr algn="ctr"/>
+              <a:r>
+                <a:rPr lang="en-US" sz="2400" dirty="0" smtClean="0">
+                  <a:solidFill>
+                    <a:schemeClr val="tx1"/>
+                  </a:solidFill>
+                </a:rPr>
+                <a:t>Herbivore </a:t>
+              </a:r>
+            </a:p>
+            <a:p>
+              <a:pPr algn="ctr"/>
+              <a:r>
+                <a:rPr lang="en-US" sz="2400" dirty="0" smtClean="0">
+                  <a:solidFill>
+                    <a:schemeClr val="tx1"/>
+                  </a:solidFill>
+                </a:rPr>
+                <a:t>(H)</a:t>
+              </a:r>
+              <a:endParaRPr lang="en-US" sz="2400" dirty="0">
+                <a:solidFill>
+                  <a:schemeClr val="tx1"/>
+                </a:solidFill>
+              </a:endParaRPr>
+            </a:p>
+          </p:txBody>
+        </p:sp>
+        <p:sp>
+          <p:nvSpPr>
+            <p:cNvPr id="5" name="Rectangle 4"/>
+            <p:cNvSpPr/>
+            <p:nvPr/>
+          </p:nvSpPr>
+          <p:spPr>
+            <a:xfrm>
+              <a:off x="5546274" y="3428601"/>
+              <a:ext cx="2444318" cy="1119673"/>
+            </a:xfrm>
+            <a:prstGeom prst="rect">
+              <a:avLst/>
+            </a:prstGeom>
+            <a:noFill/>
+            <a:ln>
+              <a:solidFill>
+                <a:srgbClr val="FF0000"/>
+              </a:solidFill>
+            </a:ln>
+          </p:spPr>
+          <p:style>
+            <a:lnRef idx="1">
+              <a:schemeClr val="accent3"/>
+            </a:lnRef>
+            <a:fillRef idx="3">
+              <a:schemeClr val="accent3"/>
+            </a:fillRef>
+            <a:effectRef idx="2">
+              <a:schemeClr val="accent3"/>
+            </a:effectRef>
+            <a:fontRef idx="minor">
+              <a:schemeClr val="lt1"/>
+            </a:fontRef>
+          </p:style>
+          <p:txBody>
+            <a:bodyPr rtlCol="0" anchor="ctr"/>
+            <a:lstStyle/>
+            <a:p>
+              <a:pPr algn="ctr"/>
+              <a:r>
+                <a:rPr lang="en-US" sz="2400" dirty="0" smtClean="0">
+                  <a:solidFill>
+                    <a:srgbClr val="000000"/>
+                  </a:solidFill>
+                </a:rPr>
+                <a:t>Predator</a:t>
+              </a:r>
+            </a:p>
+            <a:p>
+              <a:pPr algn="ctr"/>
+              <a:r>
+                <a:rPr lang="en-US" sz="2400" dirty="0" smtClean="0">
+                  <a:solidFill>
+                    <a:srgbClr val="000000"/>
+                  </a:solidFill>
+                </a:rPr>
+                <a:t>(P)</a:t>
+              </a:r>
+              <a:endParaRPr lang="en-US" sz="2400" dirty="0">
+                <a:solidFill>
+                  <a:srgbClr val="000000"/>
+                </a:solidFill>
+              </a:endParaRPr>
+            </a:p>
+          </p:txBody>
+        </p:sp>
+        <p:cxnSp>
+          <p:nvCxnSpPr>
+            <p:cNvPr id="8" name="Straight Arrow Connector 7"/>
+            <p:cNvCxnSpPr/>
+            <p:nvPr/>
+          </p:nvCxnSpPr>
+          <p:spPr>
+            <a:xfrm rot="10800000" flipH="1">
+              <a:off x="3645993" y="3606109"/>
+              <a:ext cx="1761547" cy="0"/>
+            </a:xfrm>
+            <a:prstGeom prst="straightConnector1">
+              <a:avLst/>
+            </a:prstGeom>
+            <a:ln>
+              <a:tailEnd type="arrow"/>
+            </a:ln>
+          </p:spPr>
+          <p:style>
+            <a:lnRef idx="2">
+              <a:schemeClr val="dk1"/>
+            </a:lnRef>
+            <a:fillRef idx="0">
+              <a:schemeClr val="dk1"/>
+            </a:fillRef>
+            <a:effectRef idx="1">
+              <a:schemeClr val="dk1"/>
+            </a:effectRef>
+            <a:fontRef idx="minor">
+              <a:schemeClr val="tx1"/>
+            </a:fontRef>
+          </p:style>
+        </p:cxnSp>
+        <p:sp>
+          <p:nvSpPr>
+            <p:cNvPr id="9" name="TextBox 8"/>
+            <p:cNvSpPr txBox="1"/>
+            <p:nvPr/>
+          </p:nvSpPr>
+          <p:spPr>
+            <a:xfrm>
+              <a:off x="3889129" y="3305708"/>
+              <a:ext cx="1474784" cy="307776"/>
+            </a:xfrm>
+            <a:prstGeom prst="rect">
+              <a:avLst/>
+            </a:prstGeom>
+            <a:noFill/>
+          </p:spPr>
+          <p:txBody>
+            <a:bodyPr wrap="square" rtlCol="0">
+              <a:spAutoFit/>
+            </a:bodyPr>
+            <a:lstStyle/>
+            <a:p>
+              <a:r>
+                <a:rPr lang="en-US" sz="900" dirty="0" smtClean="0"/>
+                <a:t>Predator attack rate</a:t>
+              </a:r>
+              <a:endParaRPr lang="en-US" sz="900" dirty="0"/>
+            </a:p>
+          </p:txBody>
+        </p:sp>
+        <p:sp>
+          <p:nvSpPr>
+            <p:cNvPr id="10" name="TextBox 9"/>
+            <p:cNvSpPr txBox="1"/>
+            <p:nvPr/>
+          </p:nvSpPr>
+          <p:spPr>
+            <a:xfrm>
+              <a:off x="4410696" y="3524177"/>
+              <a:ext cx="286763" cy="410369"/>
+            </a:xfrm>
+            <a:prstGeom prst="rect">
+              <a:avLst/>
+            </a:prstGeom>
+            <a:noFill/>
+          </p:spPr>
+          <p:txBody>
+            <a:bodyPr wrap="square" rtlCol="0">
+              <a:spAutoFit/>
+            </a:bodyPr>
+            <a:lstStyle/>
+            <a:p>
+              <a:r>
+                <a:rPr lang="en-US" b="1" i="1" dirty="0" smtClean="0"/>
+                <a:t>a</a:t>
+              </a:r>
+              <a:endParaRPr lang="en-US" b="1" i="1" dirty="0"/>
+            </a:p>
+          </p:txBody>
+        </p:sp>
+        <p:cxnSp>
+          <p:nvCxnSpPr>
+            <p:cNvPr id="11" name="Straight Arrow Connector 10"/>
+            <p:cNvCxnSpPr/>
+            <p:nvPr/>
+          </p:nvCxnSpPr>
+          <p:spPr>
+            <a:xfrm rot="10800000" flipH="1">
+              <a:off x="3645993" y="4359329"/>
+              <a:ext cx="1761547" cy="0"/>
+            </a:xfrm>
+            <a:prstGeom prst="straightConnector1">
+              <a:avLst/>
+            </a:prstGeom>
+            <a:ln>
+              <a:tailEnd type="arrow"/>
+            </a:ln>
+          </p:spPr>
+          <p:style>
+            <a:lnRef idx="2">
+              <a:schemeClr val="dk1"/>
+            </a:lnRef>
+            <a:fillRef idx="0">
+              <a:schemeClr val="dk1"/>
+            </a:fillRef>
+            <a:effectRef idx="1">
+              <a:schemeClr val="dk1"/>
+            </a:effectRef>
+            <a:fontRef idx="minor">
+              <a:schemeClr val="tx1"/>
+            </a:fontRef>
+          </p:style>
+        </p:cxnSp>
+        <p:sp>
+          <p:nvSpPr>
+            <p:cNvPr id="13" name="TextBox 12"/>
+            <p:cNvSpPr txBox="1"/>
+            <p:nvPr/>
+          </p:nvSpPr>
+          <p:spPr>
+            <a:xfrm>
+              <a:off x="3622499" y="4000806"/>
+              <a:ext cx="1763725" cy="307776"/>
+            </a:xfrm>
+            <a:prstGeom prst="rect">
+              <a:avLst/>
+            </a:prstGeom>
+            <a:noFill/>
+          </p:spPr>
+          <p:txBody>
+            <a:bodyPr wrap="square" rtlCol="0">
+              <a:spAutoFit/>
+            </a:bodyPr>
+            <a:lstStyle/>
+            <a:p>
+              <a:pPr algn="ctr"/>
+              <a:r>
+                <a:rPr lang="en-US" sz="900" dirty="0" smtClean="0"/>
+                <a:t>Conversion efficiency of H to P</a:t>
+              </a:r>
+              <a:endParaRPr lang="en-US" sz="900" dirty="0"/>
+            </a:p>
+          </p:txBody>
+        </p:sp>
+        <p:sp>
+          <p:nvSpPr>
+            <p:cNvPr id="14" name="TextBox 13"/>
+            <p:cNvSpPr txBox="1"/>
+            <p:nvPr/>
+          </p:nvSpPr>
+          <p:spPr>
+            <a:xfrm>
+              <a:off x="4410696" y="4423565"/>
+              <a:ext cx="286763" cy="410369"/>
+            </a:xfrm>
+            <a:prstGeom prst="rect">
+              <a:avLst/>
+            </a:prstGeom>
+            <a:noFill/>
+          </p:spPr>
+          <p:txBody>
+            <a:bodyPr wrap="square" rtlCol="0">
+              <a:spAutoFit/>
+            </a:bodyPr>
+            <a:lstStyle/>
+            <a:p>
+              <a:r>
+                <a:rPr lang="en-US" b="1" i="1" dirty="0" smtClean="0"/>
+                <a:t>e</a:t>
+              </a:r>
+              <a:endParaRPr lang="en-US" b="1" i="1" dirty="0"/>
+            </a:p>
+          </p:txBody>
+        </p:sp>
+        <p:sp>
+          <p:nvSpPr>
+            <p:cNvPr id="30" name="TextBox 29"/>
+            <p:cNvSpPr txBox="1"/>
+            <p:nvPr/>
+          </p:nvSpPr>
+          <p:spPr>
+            <a:xfrm rot="17923729">
+              <a:off x="6188080" y="2251955"/>
+              <a:ext cx="1474784" cy="461665"/>
+            </a:xfrm>
+            <a:prstGeom prst="rect">
+              <a:avLst/>
+            </a:prstGeom>
+            <a:noFill/>
+          </p:spPr>
+          <p:txBody>
+            <a:bodyPr wrap="square" rtlCol="0">
+              <a:spAutoFit/>
+            </a:bodyPr>
+            <a:lstStyle/>
+            <a:p>
+              <a:r>
+                <a:rPr lang="en-US" sz="1200" dirty="0" smtClean="0"/>
+                <a:t>Predator death rate</a:t>
+              </a:r>
+              <a:endParaRPr lang="en-US" sz="1200" dirty="0"/>
+            </a:p>
+          </p:txBody>
+        </p:sp>
+        <p:sp>
+          <p:nvSpPr>
+            <p:cNvPr id="32" name="TextBox 31"/>
+            <p:cNvSpPr txBox="1"/>
+            <p:nvPr/>
+          </p:nvSpPr>
+          <p:spPr>
+            <a:xfrm>
+              <a:off x="7191258" y="2482788"/>
+              <a:ext cx="286763" cy="410369"/>
+            </a:xfrm>
+            <a:prstGeom prst="rect">
+              <a:avLst/>
+            </a:prstGeom>
+            <a:noFill/>
+          </p:spPr>
+          <p:txBody>
+            <a:bodyPr wrap="square" rtlCol="0">
+              <a:spAutoFit/>
+            </a:bodyPr>
+            <a:lstStyle/>
+            <a:p>
+              <a:r>
+                <a:rPr lang="en-US" b="1" i="1" dirty="0"/>
+                <a:t>s</a:t>
+              </a:r>
+            </a:p>
+          </p:txBody>
+        </p:sp>
+        <p:grpSp>
+          <p:nvGrpSpPr>
+            <p:cNvPr id="33" name="Group 32"/>
+            <p:cNvGrpSpPr/>
+            <p:nvPr/>
+          </p:nvGrpSpPr>
+          <p:grpSpPr>
+            <a:xfrm rot="10800000">
+              <a:off x="1461127" y="4548272"/>
+              <a:ext cx="1406507" cy="1174295"/>
+              <a:chOff x="2239485" y="1556618"/>
+              <a:chExt cx="4528948" cy="1174294"/>
+            </a:xfrm>
+          </p:grpSpPr>
+          <p:cxnSp>
+            <p:nvCxnSpPr>
+              <p:cNvPr id="34" name="Elbow Connector 33"/>
+              <p:cNvCxnSpPr/>
+              <p:nvPr/>
+            </p:nvCxnSpPr>
+            <p:spPr>
+              <a:xfrm rot="16200000" flipV="1">
+                <a:off x="3916812" y="-120709"/>
+                <a:ext cx="1174294" cy="4528948"/>
+              </a:xfrm>
+              <a:prstGeom prst="bentConnector2">
+                <a:avLst/>
+              </a:prstGeom>
+              <a:ln>
+                <a:solidFill>
+                  <a:srgbClr val="0000FF"/>
+                </a:solidFill>
+              </a:ln>
+            </p:spPr>
+            <p:style>
+              <a:lnRef idx="2">
+                <a:schemeClr val="accent1"/>
+              </a:lnRef>
+              <a:fillRef idx="0">
+                <a:schemeClr val="accent1"/>
+              </a:fillRef>
+              <a:effectRef idx="1">
+                <a:schemeClr val="accent1"/>
+              </a:effectRef>
+              <a:fontRef idx="minor">
+                <a:schemeClr val="tx1"/>
+              </a:fontRef>
+            </p:style>
+          </p:cxnSp>
+          <p:cxnSp>
+            <p:nvCxnSpPr>
+              <p:cNvPr id="35" name="Straight Arrow Connector 34"/>
+              <p:cNvCxnSpPr/>
+              <p:nvPr/>
+            </p:nvCxnSpPr>
+            <p:spPr>
+              <a:xfrm>
+                <a:off x="2239485" y="1556618"/>
+                <a:ext cx="6829" cy="1174294"/>
+              </a:xfrm>
+              <a:prstGeom prst="straightConnector1">
+                <a:avLst/>
+              </a:prstGeom>
+              <a:ln>
+                <a:solidFill>
+                  <a:srgbClr val="0000FF"/>
+                </a:solidFill>
+                <a:tailEnd type="arrow"/>
+              </a:ln>
+            </p:spPr>
+            <p:style>
+              <a:lnRef idx="2">
+                <a:schemeClr val="accent1"/>
+              </a:lnRef>
+              <a:fillRef idx="0">
+                <a:schemeClr val="accent1"/>
+              </a:fillRef>
+              <a:effectRef idx="1">
+                <a:schemeClr val="accent1"/>
+              </a:effectRef>
+              <a:fontRef idx="minor">
+                <a:schemeClr val="tx1"/>
+              </a:fontRef>
+            </p:style>
+          </p:cxnSp>
+        </p:grpSp>
+        <p:sp>
+          <p:nvSpPr>
+            <p:cNvPr id="36" name="TextBox 35"/>
+            <p:cNvSpPr txBox="1"/>
+            <p:nvPr/>
+          </p:nvSpPr>
+          <p:spPr>
+            <a:xfrm>
+              <a:off x="1652298" y="5382666"/>
+              <a:ext cx="1474784" cy="369332"/>
+            </a:xfrm>
+            <a:prstGeom prst="rect">
+              <a:avLst/>
+            </a:prstGeom>
+            <a:noFill/>
+          </p:spPr>
+          <p:txBody>
+            <a:bodyPr wrap="square" rtlCol="0">
+              <a:spAutoFit/>
+            </a:bodyPr>
+            <a:lstStyle/>
+            <a:p>
+              <a:r>
+                <a:rPr lang="en-US" sz="1200" dirty="0" smtClean="0"/>
+                <a:t>Prey birth rate</a:t>
+              </a:r>
+              <a:endParaRPr lang="en-US" sz="1200" dirty="0"/>
+            </a:p>
+          </p:txBody>
+        </p:sp>
+        <p:sp>
+          <p:nvSpPr>
+            <p:cNvPr id="37" name="TextBox 36"/>
+            <p:cNvSpPr txBox="1"/>
+            <p:nvPr/>
+          </p:nvSpPr>
+          <p:spPr>
+            <a:xfrm>
+              <a:off x="2077822" y="5809542"/>
+              <a:ext cx="286763" cy="410369"/>
+            </a:xfrm>
+            <a:prstGeom prst="rect">
+              <a:avLst/>
+            </a:prstGeom>
+            <a:noFill/>
+          </p:spPr>
+          <p:txBody>
+            <a:bodyPr wrap="square" rtlCol="0">
+              <a:spAutoFit/>
+            </a:bodyPr>
+            <a:lstStyle/>
+            <a:p>
+              <a:r>
+                <a:rPr lang="en-US" b="1" i="1" dirty="0" smtClean="0"/>
+                <a:t>b</a:t>
+              </a:r>
+              <a:endParaRPr lang="en-US" b="1" i="1" dirty="0"/>
+            </a:p>
+          </p:txBody>
+        </p:sp>
+        <p:sp>
+          <p:nvSpPr>
+            <p:cNvPr id="39" name="TextBox 38"/>
+            <p:cNvSpPr txBox="1"/>
+            <p:nvPr/>
+          </p:nvSpPr>
+          <p:spPr>
+            <a:xfrm>
+              <a:off x="1461128" y="464255"/>
+              <a:ext cx="6529464" cy="1272143"/>
+            </a:xfrm>
+            <a:prstGeom prst="rect">
+              <a:avLst/>
+            </a:prstGeom>
+            <a:noFill/>
+          </p:spPr>
+          <p:txBody>
+            <a:bodyPr wrap="square" rtlCol="0">
+              <a:spAutoFit/>
+            </a:bodyPr>
+            <a:lstStyle/>
+            <a:p>
+              <a:pPr algn="ctr"/>
+              <a:r>
+                <a:rPr lang="en-US" sz="2800" dirty="0" err="1" smtClean="0"/>
+                <a:t>Lotka-Volterra</a:t>
+              </a:r>
+              <a:r>
+                <a:rPr lang="en-US" sz="2800" dirty="0"/>
+                <a:t> </a:t>
+              </a:r>
+              <a:r>
+                <a:rPr lang="en-US" sz="2800" dirty="0" smtClean="0"/>
+                <a:t>Equation</a:t>
+              </a:r>
+            </a:p>
+            <a:p>
+              <a:pPr algn="ctr"/>
+              <a:r>
+                <a:rPr lang="en-US" sz="2800" dirty="0" smtClean="0"/>
+                <a:t>Conceptual Model </a:t>
+              </a:r>
+              <a:endParaRPr lang="en-US" sz="2800" dirty="0"/>
+            </a:p>
+          </p:txBody>
+        </p:sp>
+        <p:cxnSp>
+          <p:nvCxnSpPr>
+            <p:cNvPr id="3" name="Straight Arrow Connector 2"/>
+            <p:cNvCxnSpPr>
+              <a:stCxn id="5" idx="0"/>
+            </p:cNvCxnSpPr>
+            <p:nvPr/>
+          </p:nvCxnSpPr>
+          <p:spPr>
+            <a:xfrm flipV="1">
+              <a:off x="6768433" y="1583928"/>
+              <a:ext cx="864938" cy="1844673"/>
+            </a:xfrm>
+            <a:prstGeom prst="straightConnector1">
+              <a:avLst/>
+            </a:prstGeom>
+            <a:ln>
+              <a:tailEnd type="arrow"/>
+            </a:ln>
+          </p:spPr>
+          <p:style>
+            <a:lnRef idx="2">
+              <a:schemeClr val="dk1"/>
+            </a:lnRef>
+            <a:fillRef idx="0">
+              <a:schemeClr val="dk1"/>
+            </a:fillRef>
+            <a:effectRef idx="1">
+              <a:schemeClr val="dk1"/>
+            </a:effectRef>
+            <a:fontRef idx="minor">
+              <a:schemeClr val="tx1"/>
+            </a:fontRef>
+          </p:style>
+        </p:cxnSp>
+      </p:grpSp>
     </p:spTree>
+    <p:extLst>
+      <p:ext uri="{BB962C8B-B14F-4D97-AF65-F5344CB8AC3E}">
+        <p14:creationId xmlns:p14="http://schemas.microsoft.com/office/powerpoint/2010/main" val="152697385"/>
+      </p:ext>
+    </p:extLst>
   </p:cSld>
   <p:clrMapOvr>
     <a:masterClrMapping/>
